--- a/4. Database 사진&프레젠테이션 자료/3~5/프레젠테이션1.pptx
+++ b/4. Database 사진&프레젠테이션 자료/3~5/프레젠테이션1.pptx
@@ -300,7 +300,8 @@
           <a:p>
             <a:fld id="{C95A2460-2598-468E-9F45-602859671A1C}" type="datetimeFigureOut">
               <a:rPr lang="ko-KR" altLang="en-US" smtClean="0"/>
-              <a:t>2021-06-02</a:t>
+              <a:pPr/>
+              <a:t>2021-06-16</a:t>
             </a:fld>
             <a:endParaRPr lang="ko-KR" altLang="en-US"/>
           </a:p>
@@ -342,6 +343,7 @@
           <a:p>
             <a:fld id="{75DAA2A2-39CC-4722-B874-25F9D63B4286}" type="slidenum">
               <a:rPr lang="ko-KR" altLang="en-US" smtClean="0"/>
+              <a:pPr/>
               <a:t>‹#›</a:t>
             </a:fld>
             <a:endParaRPr lang="ko-KR" altLang="en-US"/>
@@ -465,7 +467,8 @@
           <a:p>
             <a:fld id="{C95A2460-2598-468E-9F45-602859671A1C}" type="datetimeFigureOut">
               <a:rPr lang="ko-KR" altLang="en-US" smtClean="0"/>
-              <a:t>2021-06-03</a:t>
+              <a:pPr/>
+              <a:t>2021-06-16</a:t>
             </a:fld>
             <a:endParaRPr lang="ko-KR" altLang="en-US"/>
           </a:p>
@@ -507,6 +510,7 @@
           <a:p>
             <a:fld id="{75DAA2A2-39CC-4722-B874-25F9D63B4286}" type="slidenum">
               <a:rPr lang="ko-KR" altLang="en-US" smtClean="0"/>
+              <a:pPr/>
               <a:t>‹#›</a:t>
             </a:fld>
             <a:endParaRPr lang="ko-KR" altLang="en-US"/>
@@ -640,7 +644,8 @@
           <a:p>
             <a:fld id="{C95A2460-2598-468E-9F45-602859671A1C}" type="datetimeFigureOut">
               <a:rPr lang="ko-KR" altLang="en-US" smtClean="0"/>
-              <a:t>2021-06-03</a:t>
+              <a:pPr/>
+              <a:t>2021-06-16</a:t>
             </a:fld>
             <a:endParaRPr lang="ko-KR" altLang="en-US"/>
           </a:p>
@@ -682,6 +687,7 @@
           <a:p>
             <a:fld id="{75DAA2A2-39CC-4722-B874-25F9D63B4286}" type="slidenum">
               <a:rPr lang="ko-KR" altLang="en-US" smtClean="0"/>
+              <a:pPr/>
               <a:t>‹#›</a:t>
             </a:fld>
             <a:endParaRPr lang="ko-KR" altLang="en-US"/>
@@ -805,7 +811,8 @@
           <a:p>
             <a:fld id="{C95A2460-2598-468E-9F45-602859671A1C}" type="datetimeFigureOut">
               <a:rPr lang="ko-KR" altLang="en-US" smtClean="0"/>
-              <a:t>2021-06-03</a:t>
+              <a:pPr/>
+              <a:t>2021-06-16</a:t>
             </a:fld>
             <a:endParaRPr lang="ko-KR" altLang="en-US"/>
           </a:p>
@@ -847,6 +854,7 @@
           <a:p>
             <a:fld id="{75DAA2A2-39CC-4722-B874-25F9D63B4286}" type="slidenum">
               <a:rPr lang="ko-KR" altLang="en-US" smtClean="0"/>
+              <a:pPr/>
               <a:t>‹#›</a:t>
             </a:fld>
             <a:endParaRPr lang="ko-KR" altLang="en-US"/>
@@ -1046,7 +1054,8 @@
           <a:p>
             <a:fld id="{C95A2460-2598-468E-9F45-602859671A1C}" type="datetimeFigureOut">
               <a:rPr lang="ko-KR" altLang="en-US" smtClean="0"/>
-              <a:t>2021-06-03</a:t>
+              <a:pPr/>
+              <a:t>2021-06-16</a:t>
             </a:fld>
             <a:endParaRPr lang="ko-KR" altLang="en-US"/>
           </a:p>
@@ -1088,6 +1097,7 @@
           <a:p>
             <a:fld id="{75DAA2A2-39CC-4722-B874-25F9D63B4286}" type="slidenum">
               <a:rPr lang="ko-KR" altLang="en-US" smtClean="0"/>
+              <a:pPr/>
               <a:t>‹#›</a:t>
             </a:fld>
             <a:endParaRPr lang="ko-KR" altLang="en-US"/>
@@ -1329,7 +1339,8 @@
           <a:p>
             <a:fld id="{C95A2460-2598-468E-9F45-602859671A1C}" type="datetimeFigureOut">
               <a:rPr lang="ko-KR" altLang="en-US" smtClean="0"/>
-              <a:t>2021-06-03</a:t>
+              <a:pPr/>
+              <a:t>2021-06-16</a:t>
             </a:fld>
             <a:endParaRPr lang="ko-KR" altLang="en-US"/>
           </a:p>
@@ -1371,6 +1382,7 @@
           <a:p>
             <a:fld id="{75DAA2A2-39CC-4722-B874-25F9D63B4286}" type="slidenum">
               <a:rPr lang="ko-KR" altLang="en-US" smtClean="0"/>
+              <a:pPr/>
               <a:t>‹#›</a:t>
             </a:fld>
             <a:endParaRPr lang="ko-KR" altLang="en-US"/>
@@ -1746,7 +1758,8 @@
           <a:p>
             <a:fld id="{C95A2460-2598-468E-9F45-602859671A1C}" type="datetimeFigureOut">
               <a:rPr lang="ko-KR" altLang="en-US" smtClean="0"/>
-              <a:t>2021-06-03</a:t>
+              <a:pPr/>
+              <a:t>2021-06-16</a:t>
             </a:fld>
             <a:endParaRPr lang="ko-KR" altLang="en-US"/>
           </a:p>
@@ -1788,6 +1801,7 @@
           <a:p>
             <a:fld id="{75DAA2A2-39CC-4722-B874-25F9D63B4286}" type="slidenum">
               <a:rPr lang="ko-KR" altLang="en-US" smtClean="0"/>
+              <a:pPr/>
               <a:t>‹#›</a:t>
             </a:fld>
             <a:endParaRPr lang="ko-KR" altLang="en-US"/>
@@ -1859,7 +1873,8 @@
           <a:p>
             <a:fld id="{C95A2460-2598-468E-9F45-602859671A1C}" type="datetimeFigureOut">
               <a:rPr lang="ko-KR" altLang="en-US" smtClean="0"/>
-              <a:t>2021-06-03</a:t>
+              <a:pPr/>
+              <a:t>2021-06-16</a:t>
             </a:fld>
             <a:endParaRPr lang="ko-KR" altLang="en-US"/>
           </a:p>
@@ -1901,6 +1916,7 @@
           <a:p>
             <a:fld id="{75DAA2A2-39CC-4722-B874-25F9D63B4286}" type="slidenum">
               <a:rPr lang="ko-KR" altLang="en-US" smtClean="0"/>
+              <a:pPr/>
               <a:t>‹#›</a:t>
             </a:fld>
             <a:endParaRPr lang="ko-KR" altLang="en-US"/>
@@ -1949,7 +1965,8 @@
           <a:p>
             <a:fld id="{C95A2460-2598-468E-9F45-602859671A1C}" type="datetimeFigureOut">
               <a:rPr lang="ko-KR" altLang="en-US" smtClean="0"/>
-              <a:t>2021-06-03</a:t>
+              <a:pPr/>
+              <a:t>2021-06-16</a:t>
             </a:fld>
             <a:endParaRPr lang="ko-KR" altLang="en-US"/>
           </a:p>
@@ -1991,6 +2008,7 @@
           <a:p>
             <a:fld id="{75DAA2A2-39CC-4722-B874-25F9D63B4286}" type="slidenum">
               <a:rPr lang="ko-KR" altLang="en-US" smtClean="0"/>
+              <a:pPr/>
               <a:t>‹#›</a:t>
             </a:fld>
             <a:endParaRPr lang="ko-KR" altLang="en-US"/>
@@ -2221,7 +2239,8 @@
           <a:p>
             <a:fld id="{C95A2460-2598-468E-9F45-602859671A1C}" type="datetimeFigureOut">
               <a:rPr lang="ko-KR" altLang="en-US" smtClean="0"/>
-              <a:t>2021-06-03</a:t>
+              <a:pPr/>
+              <a:t>2021-06-16</a:t>
             </a:fld>
             <a:endParaRPr lang="ko-KR" altLang="en-US"/>
           </a:p>
@@ -2263,6 +2282,7 @@
           <a:p>
             <a:fld id="{75DAA2A2-39CC-4722-B874-25F9D63B4286}" type="slidenum">
               <a:rPr lang="ko-KR" altLang="en-US" smtClean="0"/>
+              <a:pPr/>
               <a:t>‹#›</a:t>
             </a:fld>
             <a:endParaRPr lang="ko-KR" altLang="en-US"/>
@@ -2469,7 +2489,8 @@
           <a:p>
             <a:fld id="{C95A2460-2598-468E-9F45-602859671A1C}" type="datetimeFigureOut">
               <a:rPr lang="ko-KR" altLang="en-US" smtClean="0"/>
-              <a:t>2021-06-03</a:t>
+              <a:pPr/>
+              <a:t>2021-06-16</a:t>
             </a:fld>
             <a:endParaRPr lang="ko-KR" altLang="en-US"/>
           </a:p>
@@ -2511,6 +2532,7 @@
           <a:p>
             <a:fld id="{75DAA2A2-39CC-4722-B874-25F9D63B4286}" type="slidenum">
               <a:rPr lang="ko-KR" altLang="en-US" smtClean="0"/>
+              <a:pPr/>
               <a:t>‹#›</a:t>
             </a:fld>
             <a:endParaRPr lang="ko-KR" altLang="en-US"/>
@@ -2677,7 +2699,8 @@
           <a:p>
             <a:fld id="{C95A2460-2598-468E-9F45-602859671A1C}" type="datetimeFigureOut">
               <a:rPr lang="ko-KR" altLang="en-US" smtClean="0"/>
-              <a:t>2021-06-02</a:t>
+              <a:pPr/>
+              <a:t>2021-06-16</a:t>
             </a:fld>
             <a:endParaRPr lang="ko-KR" altLang="en-US"/>
           </a:p>
@@ -2755,6 +2778,7 @@
           <a:p>
             <a:fld id="{75DAA2A2-39CC-4722-B874-25F9D63B4286}" type="slidenum">
               <a:rPr lang="ko-KR" altLang="en-US" smtClean="0"/>
+              <a:pPr/>
               <a:t>‹#›</a:t>
             </a:fld>
             <a:endParaRPr lang="ko-KR" altLang="en-US"/>
@@ -8226,15 +8250,14 @@
         <p:nvCxnSpPr>
           <p:cNvPr id="27" name="직선 화살표 연결선 26"/>
           <p:cNvCxnSpPr>
-            <a:stCxn id="22" idx="3"/>
             <a:endCxn id="30" idx="1"/>
           </p:cNvCxnSpPr>
           <p:nvPr/>
         </p:nvCxnSpPr>
         <p:spPr>
           <a:xfrm>
-            <a:off x="2214546" y="4572008"/>
-            <a:ext cx="1428760" cy="1588"/>
+            <a:off x="2500298" y="4572008"/>
+            <a:ext cx="1143008" cy="1588"/>
           </a:xfrm>
           <a:prstGeom prst="straightConnector1">
             <a:avLst/>
@@ -12560,7 +12583,11 @@
             <a:pPr algn="ctr"/>
             <a:r>
               <a:rPr lang="ko-KR" altLang="en-US" b="1" dirty="0" smtClean="0"/>
-              <a:t>상점</a:t>
+              <a:t>주문물</a:t>
+            </a:r>
+            <a:r>
+              <a:rPr lang="ko-KR" altLang="en-US" b="1" dirty="0" smtClean="0"/>
+              <a:t>건</a:t>
             </a:r>
             <a:endParaRPr lang="ko-KR" altLang="en-US" b="1" dirty="0"/>
           </a:p>
